--- a/static/BingoBongoTemplate.pptx
+++ b/static/BingoBongoTemplate.pptx
@@ -111,6 +111,11 @@
       </a:defRPr>
     </a:lvl9pPr>
   </p:defaultTextStyle>
+  <p:extLst>
+    <p:ext uri="{EFAFB233-063F-42B5-8137-9DF3F51BA10A}">
+      <p15:sldGuideLst xmlns:p15="http://schemas.microsoft.com/office/powerpoint/2012/main"/>
+    </p:ext>
+  </p:extLst>
 </p:presentation>
 </file>
 
@@ -8971,15 +8976,19 @@
             <a:pPr lvl="1"/>
             <a:r>
               <a:rPr lang="en-US" dirty="0" smtClean="0"/>
-              <a:t>If you find something - </a:t>
-            </a:r>
-            <a:r>
-              <a:rPr lang="en-US" dirty="0" err="1" smtClean="0"/>
-              <a:t>shouth</a:t>
+              <a:t>If you find something </a:t>
+            </a:r>
+            <a:r>
+              <a:rPr lang="en-US" smtClean="0"/>
+              <a:t>- </a:t>
+            </a:r>
+            <a:r>
+              <a:rPr lang="en-US" smtClean="0"/>
+              <a:t>shout </a:t>
             </a:r>
             <a:r>
               <a:rPr lang="en-US" dirty="0" smtClean="0"/>
-              <a:t> ‘</a:t>
+              <a:t>‘</a:t>
             </a:r>
             <a:r>
               <a:rPr lang="en-US" dirty="0" smtClean="0">
